--- a/doc/part-a.pptx
+++ b/doc/part-a.pptx
@@ -10,9 +10,9 @@
     <p:sldId id="263" r:id="rId4"/>
     <p:sldId id="259" r:id="rId5"/>
     <p:sldId id="258" r:id="rId6"/>
-    <p:sldId id="260" r:id="rId7"/>
-    <p:sldId id="261" r:id="rId8"/>
-    <p:sldId id="262" r:id="rId9"/>
+    <p:sldId id="261" r:id="rId7"/>
+    <p:sldId id="262" r:id="rId8"/>
+    <p:sldId id="264" r:id="rId9"/>
   </p:sldIdLst>
   <p:sldSz cx="12192000" cy="6858000"/>
   <p:notesSz cx="6858000" cy="9144000"/>
@@ -310,7 +310,7 @@
           <a:p>
             <a:fld id="{E74B1561-1FC3-4AB8-A0E7-D8B0A60BF5E7}" type="datetimeFigureOut">
               <a:rPr lang="en-GB" smtClean="0"/>
-              <a:t>24/11/2021</a:t>
+              <a:t>25/11/2021</a:t>
             </a:fld>
             <a:endParaRPr lang="en-GB"/>
           </a:p>
@@ -746,7 +746,7 @@
           <a:p>
             <a:fld id="{E74B1561-1FC3-4AB8-A0E7-D8B0A60BF5E7}" type="datetimeFigureOut">
               <a:rPr lang="en-GB" smtClean="0"/>
-              <a:t>24/11/2021</a:t>
+              <a:t>25/11/2021</a:t>
             </a:fld>
             <a:endParaRPr lang="en-GB"/>
           </a:p>
@@ -996,7 +996,7 @@
           <a:p>
             <a:fld id="{E74B1561-1FC3-4AB8-A0E7-D8B0A60BF5E7}" type="datetimeFigureOut">
               <a:rPr lang="en-GB" smtClean="0"/>
-              <a:t>24/11/2021</a:t>
+              <a:t>25/11/2021</a:t>
             </a:fld>
             <a:endParaRPr lang="en-GB"/>
           </a:p>
@@ -1304,7 +1304,7 @@
           <a:p>
             <a:fld id="{E74B1561-1FC3-4AB8-A0E7-D8B0A60BF5E7}" type="datetimeFigureOut">
               <a:rPr lang="en-GB" smtClean="0"/>
-              <a:t>24/11/2021</a:t>
+              <a:t>25/11/2021</a:t>
             </a:fld>
             <a:endParaRPr lang="en-GB"/>
           </a:p>
@@ -1622,7 +1622,7 @@
           <a:p>
             <a:fld id="{E74B1561-1FC3-4AB8-A0E7-D8B0A60BF5E7}" type="datetimeFigureOut">
               <a:rPr lang="en-GB" smtClean="0"/>
-              <a:t>24/11/2021</a:t>
+              <a:t>25/11/2021</a:t>
             </a:fld>
             <a:endParaRPr lang="en-GB"/>
           </a:p>
@@ -1924,7 +1924,7 @@
           <a:p>
             <a:fld id="{E74B1561-1FC3-4AB8-A0E7-D8B0A60BF5E7}" type="datetimeFigureOut">
               <a:rPr lang="en-GB" smtClean="0"/>
-              <a:t>24/11/2021</a:t>
+              <a:t>25/11/2021</a:t>
             </a:fld>
             <a:endParaRPr lang="en-GB"/>
           </a:p>
@@ -2291,7 +2291,7 @@
           <a:p>
             <a:fld id="{E74B1561-1FC3-4AB8-A0E7-D8B0A60BF5E7}" type="datetimeFigureOut">
               <a:rPr lang="en-GB" smtClean="0"/>
-              <a:t>24/11/2021</a:t>
+              <a:t>25/11/2021</a:t>
             </a:fld>
             <a:endParaRPr lang="en-GB"/>
           </a:p>
@@ -2465,7 +2465,7 @@
           <a:p>
             <a:fld id="{E74B1561-1FC3-4AB8-A0E7-D8B0A60BF5E7}" type="datetimeFigureOut">
               <a:rPr lang="en-GB" smtClean="0"/>
-              <a:t>24/11/2021</a:t>
+              <a:t>25/11/2021</a:t>
             </a:fld>
             <a:endParaRPr lang="en-GB"/>
           </a:p>
@@ -2645,7 +2645,7 @@
           <a:p>
             <a:fld id="{E74B1561-1FC3-4AB8-A0E7-D8B0A60BF5E7}" type="datetimeFigureOut">
               <a:rPr lang="en-GB" smtClean="0"/>
-              <a:t>24/11/2021</a:t>
+              <a:t>25/11/2021</a:t>
             </a:fld>
             <a:endParaRPr lang="en-GB"/>
           </a:p>
@@ -2815,7 +2815,7 @@
           <a:p>
             <a:fld id="{E74B1561-1FC3-4AB8-A0E7-D8B0A60BF5E7}" type="datetimeFigureOut">
               <a:rPr lang="en-GB" smtClean="0"/>
-              <a:t>24/11/2021</a:t>
+              <a:t>25/11/2021</a:t>
             </a:fld>
             <a:endParaRPr lang="en-GB"/>
           </a:p>
@@ -3065,7 +3065,7 @@
           <a:p>
             <a:fld id="{E74B1561-1FC3-4AB8-A0E7-D8B0A60BF5E7}" type="datetimeFigureOut">
               <a:rPr lang="en-GB" smtClean="0"/>
-              <a:t>24/11/2021</a:t>
+              <a:t>25/11/2021</a:t>
             </a:fld>
             <a:endParaRPr lang="en-GB"/>
           </a:p>
@@ -3301,7 +3301,7 @@
           <a:p>
             <a:fld id="{E74B1561-1FC3-4AB8-A0E7-D8B0A60BF5E7}" type="datetimeFigureOut">
               <a:rPr lang="en-GB" smtClean="0"/>
-              <a:t>24/11/2021</a:t>
+              <a:t>25/11/2021</a:t>
             </a:fld>
             <a:endParaRPr lang="en-GB"/>
           </a:p>
@@ -3683,7 +3683,7 @@
           <a:p>
             <a:fld id="{E74B1561-1FC3-4AB8-A0E7-D8B0A60BF5E7}" type="datetimeFigureOut">
               <a:rPr lang="en-GB" smtClean="0"/>
-              <a:t>24/11/2021</a:t>
+              <a:t>25/11/2021</a:t>
             </a:fld>
             <a:endParaRPr lang="en-GB"/>
           </a:p>
@@ -3801,7 +3801,7 @@
           <a:p>
             <a:fld id="{E74B1561-1FC3-4AB8-A0E7-D8B0A60BF5E7}" type="datetimeFigureOut">
               <a:rPr lang="en-GB" smtClean="0"/>
-              <a:t>24/11/2021</a:t>
+              <a:t>25/11/2021</a:t>
             </a:fld>
             <a:endParaRPr lang="en-GB"/>
           </a:p>
@@ -3896,7 +3896,7 @@
           <a:p>
             <a:fld id="{E74B1561-1FC3-4AB8-A0E7-D8B0A60BF5E7}" type="datetimeFigureOut">
               <a:rPr lang="en-GB" smtClean="0"/>
-              <a:t>24/11/2021</a:t>
+              <a:t>25/11/2021</a:t>
             </a:fld>
             <a:endParaRPr lang="en-GB"/>
           </a:p>
@@ -4151,7 +4151,7 @@
           <a:p>
             <a:fld id="{E74B1561-1FC3-4AB8-A0E7-D8B0A60BF5E7}" type="datetimeFigureOut">
               <a:rPr lang="en-GB" smtClean="0"/>
-              <a:t>24/11/2021</a:t>
+              <a:t>25/11/2021</a:t>
             </a:fld>
             <a:endParaRPr lang="en-GB"/>
           </a:p>
@@ -4434,7 +4434,7 @@
           <a:p>
             <a:fld id="{E74B1561-1FC3-4AB8-A0E7-D8B0A60BF5E7}" type="datetimeFigureOut">
               <a:rPr lang="en-GB" smtClean="0"/>
-              <a:t>24/11/2021</a:t>
+              <a:t>25/11/2021</a:t>
             </a:fld>
             <a:endParaRPr lang="en-GB"/>
           </a:p>
@@ -4840,7 +4840,7 @@
           <a:p>
             <a:fld id="{E74B1561-1FC3-4AB8-A0E7-D8B0A60BF5E7}" type="datetimeFigureOut">
               <a:rPr lang="en-GB" smtClean="0"/>
-              <a:t>24/11/2021</a:t>
+              <a:t>25/11/2021</a:t>
             </a:fld>
             <a:endParaRPr lang="en-GB"/>
           </a:p>
@@ -5698,10 +5698,10 @@
       </p:pic>
       <p:pic>
         <p:nvPicPr>
-          <p:cNvPr id="14" name="Picture 13">
+          <p:cNvPr id="6" name="Picture 5">
             <a:extLst>
               <a:ext uri="{FF2B5EF4-FFF2-40B4-BE49-F238E27FC236}">
-                <a16:creationId xmlns:a16="http://schemas.microsoft.com/office/drawing/2014/main" id="{41D6C5E6-3059-406D-BDC6-72128EE740B2}"/>
+                <a16:creationId xmlns:a16="http://schemas.microsoft.com/office/drawing/2014/main" id="{B0ABA4F9-3957-4E0D-BCDA-0ED86AE10738}"/>
               </a:ext>
             </a:extLst>
           </p:cNvPr>
@@ -5718,8 +5718,8 @@
         </p:blipFill>
         <p:spPr>
           <a:xfrm>
-            <a:off x="6626145" y="3556373"/>
-            <a:ext cx="1323462" cy="2844035"/>
+            <a:off x="5295383" y="3567130"/>
+            <a:ext cx="2794665" cy="2833278"/>
           </a:xfrm>
           <a:prstGeom prst="rect">
             <a:avLst/>
@@ -6126,7 +6126,7 @@
         <p:spPr>
           <a:xfrm>
             <a:off x="684212" y="457592"/>
-            <a:ext cx="8534400" cy="1507067"/>
+            <a:ext cx="6662886" cy="1507067"/>
           </a:xfrm>
         </p:spPr>
         <p:txBody>
@@ -6159,7 +6159,7 @@
         </p:nvSpPr>
         <p:spPr>
           <a:xfrm>
-            <a:off x="684212" y="2498651"/>
+            <a:off x="684212" y="2081617"/>
             <a:ext cx="6375807" cy="3710763"/>
           </a:xfrm>
         </p:spPr>
@@ -6319,7 +6319,7 @@
         </p:nvSpPr>
         <p:spPr>
           <a:xfrm>
-            <a:off x="336516" y="99875"/>
+            <a:off x="684212" y="457592"/>
             <a:ext cx="8534400" cy="1507067"/>
           </a:xfrm>
         </p:spPr>
@@ -6329,18 +6329,133 @@
           <a:p>
             <a:r>
               <a:rPr lang="en-SG" dirty="0"/>
-              <a:t>Model – Architecture</a:t>
+              <a:t>Model – Hyper-Parameter Tuning</a:t>
             </a:r>
             <a:endParaRPr lang="en-GB" dirty="0"/>
+          </a:p>
+        </p:txBody>
+      </p:sp>
+      <p:sp>
+        <p:nvSpPr>
+          <p:cNvPr id="3" name="Content Placeholder 2">
+            <a:extLst>
+              <a:ext uri="{FF2B5EF4-FFF2-40B4-BE49-F238E27FC236}">
+                <a16:creationId xmlns:a16="http://schemas.microsoft.com/office/drawing/2014/main" id="{5CB9C299-4533-43E8-A29A-DDFD04E3B531}"/>
+              </a:ext>
+            </a:extLst>
+          </p:cNvPr>
+          <p:cNvSpPr>
+            <a:spLocks noGrp="1"/>
+          </p:cNvSpPr>
+          <p:nvPr>
+            <p:ph idx="1"/>
+          </p:nvPr>
+        </p:nvSpPr>
+        <p:spPr>
+          <a:xfrm>
+            <a:off x="684212" y="1648047"/>
+            <a:ext cx="5876076" cy="4720999"/>
+          </a:xfrm>
+        </p:spPr>
+        <p:txBody>
+          <a:bodyPr/>
+          <a:lstStyle/>
+          <a:p>
+            <a:r>
+              <a:rPr lang="en-SG" dirty="0">
+                <a:solidFill>
+                  <a:schemeClr val="tx1">
+                    <a:lumMod val="95000"/>
+                  </a:schemeClr>
+                </a:solidFill>
+              </a:rPr>
+              <a:t>Random searching was used to find the best set of parameters</a:t>
+            </a:r>
+          </a:p>
+          <a:p>
+            <a:r>
+              <a:rPr lang="en-SG" dirty="0">
+                <a:solidFill>
+                  <a:schemeClr val="tx1">
+                    <a:lumMod val="95000"/>
+                  </a:schemeClr>
+                </a:solidFill>
+              </a:rPr>
+              <a:t>An </a:t>
+            </a:r>
+            <a:r>
+              <a:rPr lang="en-SG" dirty="0" err="1">
+                <a:solidFill>
+                  <a:schemeClr val="tx1">
+                    <a:lumMod val="95000"/>
+                  </a:schemeClr>
+                </a:solidFill>
+              </a:rPr>
+              <a:t>EarlyStopping</a:t>
+            </a:r>
+            <a:r>
+              <a:rPr lang="en-SG" dirty="0">
+                <a:solidFill>
+                  <a:schemeClr val="tx1">
+                    <a:lumMod val="95000"/>
+                  </a:schemeClr>
+                </a:solidFill>
+              </a:rPr>
+              <a:t> </a:t>
+            </a:r>
+            <a:r>
+              <a:rPr lang="en-SG" dirty="0" err="1">
+                <a:solidFill>
+                  <a:schemeClr val="tx1">
+                    <a:lumMod val="95000"/>
+                  </a:schemeClr>
+                </a:solidFill>
+              </a:rPr>
+              <a:t>callback</a:t>
+            </a:r>
+            <a:r>
+              <a:rPr lang="en-SG" dirty="0">
+                <a:solidFill>
+                  <a:schemeClr val="tx1">
+                    <a:lumMod val="95000"/>
+                  </a:schemeClr>
+                </a:solidFill>
+              </a:rPr>
+              <a:t> was introduced to stop training prematurely upon overfitting</a:t>
+            </a:r>
+          </a:p>
+          <a:p>
+            <a:r>
+              <a:rPr lang="en-SG" dirty="0">
+                <a:solidFill>
+                  <a:schemeClr val="tx1">
+                    <a:lumMod val="95000"/>
+                  </a:schemeClr>
+                </a:solidFill>
+              </a:rPr>
+              <a:t>Custom metrics was used to evaluate each model, with geometric means of loss and accuracy used to penalise large differences, which represents overfitting</a:t>
+            </a:r>
+          </a:p>
+          <a:p>
+            <a:r>
+              <a:rPr lang="en-SG" dirty="0">
+                <a:solidFill>
+                  <a:schemeClr val="tx1">
+                    <a:lumMod val="95000"/>
+                  </a:schemeClr>
+                </a:solidFill>
+              </a:rPr>
+              <a:t>Following hyper-parameter tuning, the models were fine tuned manually until a suitable performance was achieved</a:t>
+            </a:r>
           </a:p>
         </p:txBody>
       </p:sp>
       <p:pic>
         <p:nvPicPr>
-          <p:cNvPr id="8" name="Content Placeholder 4">
+          <p:cNvPr id="5" name="Picture 4">
             <a:extLst>
               <a:ext uri="{FF2B5EF4-FFF2-40B4-BE49-F238E27FC236}">
-                <a16:creationId xmlns:a16="http://schemas.microsoft.com/office/drawing/2014/main" id="{A1864F8E-7AEA-40DC-B100-AD73945C1226}"/>
+                <a16:creationId xmlns:a16="http://schemas.microsoft.com/office/drawing/2014/main" id="{BACC83A6-1CF7-4DEC-9A5F-F4B2F0C90AA9}"/>
               </a:ext>
             </a:extLst>
           </p:cNvPr>
@@ -6357,106 +6472,48 @@
         </p:blipFill>
         <p:spPr>
           <a:xfrm>
-            <a:off x="318795" y="2991331"/>
-            <a:ext cx="6886170" cy="3766794"/>
+            <a:off x="7514821" y="1778091"/>
+            <a:ext cx="4201111" cy="2067213"/>
           </a:xfrm>
           <a:prstGeom prst="rect">
             <a:avLst/>
           </a:prstGeom>
         </p:spPr>
       </p:pic>
-      <p:sp>
-        <p:nvSpPr>
-          <p:cNvPr id="7" name="Content Placeholder 6">
+      <p:pic>
+        <p:nvPicPr>
+          <p:cNvPr id="7" name="Picture 6">
             <a:extLst>
               <a:ext uri="{FF2B5EF4-FFF2-40B4-BE49-F238E27FC236}">
-                <a16:creationId xmlns:a16="http://schemas.microsoft.com/office/drawing/2014/main" id="{D3C1128D-5A71-45D2-B7D5-66B087BBABCE}"/>
+                <a16:creationId xmlns:a16="http://schemas.microsoft.com/office/drawing/2014/main" id="{6F3F2847-5190-44CA-B4AB-1CB0A5718A2F}"/>
               </a:ext>
             </a:extLst>
           </p:cNvPr>
-          <p:cNvSpPr>
-            <a:spLocks noGrp="1"/>
-          </p:cNvSpPr>
-          <p:nvPr>
-            <p:ph idx="1"/>
-          </p:nvPr>
-        </p:nvSpPr>
-        <p:spPr>
-          <a:xfrm>
-            <a:off x="6329916" y="176481"/>
-            <a:ext cx="5759484" cy="3217772"/>
-          </a:xfrm>
-        </p:spPr>
-        <p:txBody>
-          <a:bodyPr/>
-          <a:lstStyle/>
-          <a:p>
-            <a:r>
-              <a:rPr lang="en-SG" dirty="0">
-                <a:solidFill>
-                  <a:schemeClr val="bg2">
-                    <a:lumMod val="50000"/>
-                  </a:schemeClr>
-                </a:solidFill>
-              </a:rPr>
-              <a:t>A relatively standard architecture was utilised, with 4 batch normalization layers to mitigate overfitting</a:t>
-            </a:r>
-          </a:p>
-          <a:p>
-            <a:r>
-              <a:rPr lang="en-SG" dirty="0">
-                <a:solidFill>
-                  <a:schemeClr val="bg2">
-                    <a:lumMod val="50000"/>
-                  </a:schemeClr>
-                </a:solidFill>
-              </a:rPr>
-              <a:t>Increasing number of filters for the Convolutional layers was used to maximise feature extraction</a:t>
-            </a:r>
-          </a:p>
-          <a:p>
-            <a:r>
-              <a:rPr lang="en-SG" dirty="0">
-                <a:solidFill>
-                  <a:schemeClr val="bg2">
-                    <a:lumMod val="50000"/>
-                  </a:schemeClr>
-                </a:solidFill>
-              </a:rPr>
-              <a:t>Several dropout layers were also implemented to prune insignificant </a:t>
-            </a:r>
-            <a:r>
-              <a:rPr lang="en-SG" dirty="0">
-                <a:solidFill>
-                  <a:schemeClr val="tx1"/>
-                </a:solidFill>
-              </a:rPr>
-              <a:t>con</a:t>
-            </a:r>
-            <a:r>
-              <a:rPr lang="en-SG" dirty="0">
-                <a:solidFill>
-                  <a:schemeClr val="bg2">
-                    <a:lumMod val="50000"/>
-                  </a:schemeClr>
-                </a:solidFill>
-              </a:rPr>
-              <a:t>nections</a:t>
-            </a:r>
-            <a:endParaRPr lang="en-GB" dirty="0">
-              <a:solidFill>
-                <a:schemeClr val="bg2">
-                  <a:lumMod val="50000"/>
-                </a:schemeClr>
-              </a:solidFill>
-            </a:endParaRPr>
-          </a:p>
-        </p:txBody>
-      </p:sp>
+          <p:cNvPicPr>
+            <a:picLocks noChangeAspect="1"/>
+          </p:cNvPicPr>
+          <p:nvPr/>
+        </p:nvPicPr>
+        <p:blipFill>
+          <a:blip r:embed="rId3"/>
+          <a:stretch>
+            <a:fillRect/>
+          </a:stretch>
+        </p:blipFill>
+        <p:spPr>
+          <a:xfrm>
+            <a:off x="7514820" y="4184590"/>
+            <a:ext cx="3075207" cy="2184457"/>
+          </a:xfrm>
+          <a:prstGeom prst="rect">
+            <a:avLst/>
+          </a:prstGeom>
+        </p:spPr>
+      </p:pic>
     </p:spTree>
     <p:extLst>
       <p:ext uri="{BB962C8B-B14F-4D97-AF65-F5344CB8AC3E}">
-        <p14:creationId xmlns:p14="http://schemas.microsoft.com/office/powerpoint/2010/main" val="2656113312"/>
+        <p14:creationId xmlns:p14="http://schemas.microsoft.com/office/powerpoint/2010/main" val="558249112"/>
       </p:ext>
     </p:extLst>
   </p:cSld>
@@ -6511,7 +6568,11 @@
           <a:p>
             <a:r>
               <a:rPr lang="en-SG" dirty="0"/>
-              <a:t>Model – Hyper-Parameter Tuning</a:t>
+              <a:t>Model – Final </a:t>
+            </a:r>
+            <a:r>
+              <a:rPr lang="en-SG" dirty="0" err="1"/>
+              <a:t>MOdel</a:t>
             </a:r>
             <a:endParaRPr lang="en-GB" dirty="0"/>
           </a:p>
@@ -6535,12 +6596,14 @@
         </p:nvSpPr>
         <p:spPr>
           <a:xfrm>
-            <a:off x="684212" y="1648047"/>
-            <a:ext cx="5876076" cy="4720999"/>
-          </a:xfrm>
-        </p:spPr>
-        <p:txBody>
-          <a:bodyPr/>
+            <a:off x="684212" y="2105247"/>
+            <a:ext cx="6088728" cy="4295161"/>
+          </a:xfrm>
+        </p:spPr>
+        <p:txBody>
+          <a:bodyPr>
+            <a:normAutofit/>
+          </a:bodyPr>
           <a:lstStyle/>
           <a:p>
             <a:r>
@@ -6551,10 +6614,18 @@
                   </a:schemeClr>
                 </a:solidFill>
               </a:rPr>
-              <a:t>Random searching was used to find the best set of parameters</a:t>
-            </a:r>
-          </a:p>
-          <a:p>
+              <a:t>The final model made use of early stopping and learning rate scheduler </a:t>
+            </a:r>
+            <a:r>
+              <a:rPr lang="en-SG" dirty="0" err="1">
+                <a:solidFill>
+                  <a:schemeClr val="tx1">
+                    <a:lumMod val="95000"/>
+                  </a:schemeClr>
+                </a:solidFill>
+              </a:rPr>
+              <a:t>callbacks</a:t>
+            </a:r>
             <a:r>
               <a:rPr lang="en-SG" dirty="0">
                 <a:solidFill>
@@ -6563,18 +6634,22 @@
                   </a:schemeClr>
                 </a:solidFill>
               </a:rPr>
-              <a:t>An </a:t>
-            </a:r>
-            <a:r>
-              <a:rPr lang="en-SG" dirty="0" err="1">
+              <a:t> to mitigate overfitting and to implement a decaying learning rate respectively</a:t>
+            </a:r>
+          </a:p>
+          <a:p>
+            <a:r>
+              <a:rPr lang="en-SG" dirty="0">
                 <a:solidFill>
                   <a:schemeClr val="tx1">
                     <a:lumMod val="95000"/>
                   </a:schemeClr>
                 </a:solidFill>
               </a:rPr>
-              <a:t>EarlyStopping</a:t>
-            </a:r>
+              <a:t>The final model used convolutional layers with increasing number of filters to maximise feature extraction, followed by dense layers with decreasing number of units to converge the classification process</a:t>
+            </a:r>
+          </a:p>
+          <a:p>
             <a:r>
               <a:rPr lang="en-SG" dirty="0">
                 <a:solidFill>
@@ -6583,51 +6658,19 @@
                   </a:schemeClr>
                 </a:solidFill>
               </a:rPr>
-              <a:t> </a:t>
-            </a:r>
-            <a:r>
-              <a:rPr lang="en-SG" dirty="0" err="1">
+              <a:t>Only 1 max pooling layer was used to avoid excessive data reduction</a:t>
+            </a:r>
+          </a:p>
+          <a:p>
+            <a:r>
+              <a:rPr lang="en-GB" dirty="0">
                 <a:solidFill>
                   <a:schemeClr val="tx1">
                     <a:lumMod val="95000"/>
                   </a:schemeClr>
                 </a:solidFill>
               </a:rPr>
-              <a:t>callback</a:t>
-            </a:r>
-            <a:r>
-              <a:rPr lang="en-SG" dirty="0">
-                <a:solidFill>
-                  <a:schemeClr val="tx1">
-                    <a:lumMod val="95000"/>
-                  </a:schemeClr>
-                </a:solidFill>
-              </a:rPr>
-              <a:t> was introduced to stop training prematurely upon overfitting</a:t>
-            </a:r>
-          </a:p>
-          <a:p>
-            <a:r>
-              <a:rPr lang="en-SG" dirty="0">
-                <a:solidFill>
-                  <a:schemeClr val="tx1">
-                    <a:lumMod val="95000"/>
-                  </a:schemeClr>
-                </a:solidFill>
-              </a:rPr>
-              <a:t>Custom metrics was used to evaluate each model, with geometric means of loss and accuracy used to penalise large differences, which represents overfitting</a:t>
-            </a:r>
-          </a:p>
-          <a:p>
-            <a:r>
-              <a:rPr lang="en-SG" dirty="0">
-                <a:solidFill>
-                  <a:schemeClr val="tx1">
-                    <a:lumMod val="95000"/>
-                  </a:schemeClr>
-                </a:solidFill>
-              </a:rPr>
-              <a:t>Following hyper-parameter tuning, the models were fine tuned manually until a suitable performance was achieved</a:t>
+              <a:t>Overfitting was very minimal</a:t>
             </a:r>
           </a:p>
         </p:txBody>
@@ -6637,7 +6680,7 @@
           <p:cNvPr id="5" name="Picture 4">
             <a:extLst>
               <a:ext uri="{FF2B5EF4-FFF2-40B4-BE49-F238E27FC236}">
-                <a16:creationId xmlns:a16="http://schemas.microsoft.com/office/drawing/2014/main" id="{BACC83A6-1CF7-4DEC-9A5F-F4B2F0C90AA9}"/>
+                <a16:creationId xmlns:a16="http://schemas.microsoft.com/office/drawing/2014/main" id="{F83C7BDB-2DBB-4039-A1AD-03608E786D15}"/>
               </a:ext>
             </a:extLst>
           </p:cNvPr>
@@ -6654,8 +6697,8 @@
         </p:blipFill>
         <p:spPr>
           <a:xfrm>
-            <a:off x="7514821" y="1778091"/>
-            <a:ext cx="4201111" cy="2067213"/>
+            <a:off x="7357571" y="457592"/>
+            <a:ext cx="4433935" cy="2932620"/>
           </a:xfrm>
           <a:prstGeom prst="rect">
             <a:avLst/>
@@ -6667,7 +6710,7 @@
           <p:cNvPr id="7" name="Picture 6">
             <a:extLst>
               <a:ext uri="{FF2B5EF4-FFF2-40B4-BE49-F238E27FC236}">
-                <a16:creationId xmlns:a16="http://schemas.microsoft.com/office/drawing/2014/main" id="{6F3F2847-5190-44CA-B4AB-1CB0A5718A2F}"/>
+                <a16:creationId xmlns:a16="http://schemas.microsoft.com/office/drawing/2014/main" id="{C6D796F9-1ECD-40E2-8200-F811B1E324B1}"/>
               </a:ext>
             </a:extLst>
           </p:cNvPr>
@@ -6684,8 +6727,8 @@
         </p:blipFill>
         <p:spPr>
           <a:xfrm>
-            <a:off x="7514820" y="4184590"/>
-            <a:ext cx="3075207" cy="2184457"/>
+            <a:off x="7357570" y="3693023"/>
+            <a:ext cx="4521091" cy="1283013"/>
           </a:xfrm>
           <a:prstGeom prst="rect">
             <a:avLst/>
@@ -6695,7 +6738,7 @@
     </p:spTree>
     <p:extLst>
       <p:ext uri="{BB962C8B-B14F-4D97-AF65-F5344CB8AC3E}">
-        <p14:creationId xmlns:p14="http://schemas.microsoft.com/office/powerpoint/2010/main" val="558249112"/>
+        <p14:creationId xmlns:p14="http://schemas.microsoft.com/office/powerpoint/2010/main" val="3635533557"/>
       </p:ext>
     </p:extLst>
   </p:cSld>
@@ -6774,22 +6817,199 @@
         </p:nvSpPr>
         <p:spPr>
           <a:xfrm>
-            <a:off x="684212" y="2429539"/>
-            <a:ext cx="8534400" cy="3615267"/>
-          </a:xfrm>
-        </p:spPr>
-        <p:txBody>
-          <a:bodyPr/>
-          <a:lstStyle/>
-          <a:p>
-            <a:endParaRPr lang="en-GB" dirty="0"/>
-          </a:p>
-        </p:txBody>
-      </p:sp>
+            <a:off x="684212" y="1964659"/>
+            <a:ext cx="6312012" cy="4080147"/>
+          </a:xfrm>
+        </p:spPr>
+        <p:txBody>
+          <a:bodyPr>
+            <a:normAutofit/>
+          </a:bodyPr>
+          <a:lstStyle/>
+          <a:p>
+            <a:r>
+              <a:rPr lang="en-SG" dirty="0">
+                <a:solidFill>
+                  <a:schemeClr val="tx1"/>
+                </a:solidFill>
+              </a:rPr>
+              <a:t>From the confusion matrix, most are correctly classified</a:t>
+            </a:r>
+          </a:p>
+          <a:p>
+            <a:r>
+              <a:rPr lang="en-SG" dirty="0">
+                <a:solidFill>
+                  <a:schemeClr val="tx1">
+                    <a:lumMod val="95000"/>
+                  </a:schemeClr>
+                </a:solidFill>
+              </a:rPr>
+              <a:t>The most common mistake is the misclassification of shirts as t-shirts and vice versa</a:t>
+            </a:r>
+          </a:p>
+          <a:p>
+            <a:r>
+              <a:rPr lang="en-SG" dirty="0">
+                <a:solidFill>
+                  <a:schemeClr val="tx1">
+                    <a:lumMod val="95000"/>
+                  </a:schemeClr>
+                </a:solidFill>
+              </a:rPr>
+              <a:t>This is of no surprise, as they are very similar</a:t>
+            </a:r>
+          </a:p>
+          <a:p>
+            <a:r>
+              <a:rPr lang="en-SG" dirty="0">
+                <a:solidFill>
+                  <a:schemeClr val="tx1">
+                    <a:lumMod val="95000"/>
+                  </a:schemeClr>
+                </a:solidFill>
+              </a:rPr>
+              <a:t>Some mistakes are unacceptable, however, like the ankle boot on the bottom right (None of the top 3 choices are right; in fact, they are all off)</a:t>
+            </a:r>
+          </a:p>
+          <a:p>
+            <a:r>
+              <a:rPr lang="en-SG" dirty="0">
+                <a:solidFill>
+                  <a:schemeClr val="tx1">
+                    <a:lumMod val="95000"/>
+                  </a:schemeClr>
+                </a:solidFill>
+              </a:rPr>
+              <a:t>The model tends to misclassify dresses as t-shirts</a:t>
+            </a:r>
+          </a:p>
+        </p:txBody>
+      </p:sp>
+      <p:pic>
+        <p:nvPicPr>
+          <p:cNvPr id="5" name="Picture 4">
+            <a:extLst>
+              <a:ext uri="{FF2B5EF4-FFF2-40B4-BE49-F238E27FC236}">
+                <a16:creationId xmlns:a16="http://schemas.microsoft.com/office/drawing/2014/main" id="{4E6C4026-201A-403B-9F99-0A043297ECB7}"/>
+              </a:ext>
+            </a:extLst>
+          </p:cNvPr>
+          <p:cNvPicPr>
+            <a:picLocks noChangeAspect="1"/>
+          </p:cNvPicPr>
+          <p:nvPr/>
+        </p:nvPicPr>
+        <p:blipFill>
+          <a:blip r:embed="rId2"/>
+          <a:stretch>
+            <a:fillRect/>
+          </a:stretch>
+        </p:blipFill>
+        <p:spPr>
+          <a:xfrm>
+            <a:off x="7310434" y="327925"/>
+            <a:ext cx="4192149" cy="3733712"/>
+          </a:xfrm>
+          <a:prstGeom prst="rect">
+            <a:avLst/>
+          </a:prstGeom>
+        </p:spPr>
+      </p:pic>
+      <p:pic>
+        <p:nvPicPr>
+          <p:cNvPr id="7" name="Picture 6">
+            <a:extLst>
+              <a:ext uri="{FF2B5EF4-FFF2-40B4-BE49-F238E27FC236}">
+                <a16:creationId xmlns:a16="http://schemas.microsoft.com/office/drawing/2014/main" id="{02426358-50A6-4401-AA87-1F15D4FD4027}"/>
+              </a:ext>
+            </a:extLst>
+          </p:cNvPr>
+          <p:cNvPicPr>
+            <a:picLocks noChangeAspect="1"/>
+          </p:cNvPicPr>
+          <p:nvPr/>
+        </p:nvPicPr>
+        <p:blipFill>
+          <a:blip r:embed="rId3"/>
+          <a:stretch>
+            <a:fillRect/>
+          </a:stretch>
+        </p:blipFill>
+        <p:spPr>
+          <a:xfrm>
+            <a:off x="7310434" y="4374331"/>
+            <a:ext cx="1827696" cy="2155744"/>
+          </a:xfrm>
+          <a:prstGeom prst="rect">
+            <a:avLst/>
+          </a:prstGeom>
+        </p:spPr>
+      </p:pic>
+      <p:pic>
+        <p:nvPicPr>
+          <p:cNvPr id="9" name="Picture 8">
+            <a:extLst>
+              <a:ext uri="{FF2B5EF4-FFF2-40B4-BE49-F238E27FC236}">
+                <a16:creationId xmlns:a16="http://schemas.microsoft.com/office/drawing/2014/main" id="{9C910872-68F1-47CD-8D2B-D35088F0CAC8}"/>
+              </a:ext>
+            </a:extLst>
+          </p:cNvPr>
+          <p:cNvPicPr>
+            <a:picLocks noChangeAspect="1"/>
+          </p:cNvPicPr>
+          <p:nvPr/>
+        </p:nvPicPr>
+        <p:blipFill>
+          <a:blip r:embed="rId4"/>
+          <a:stretch>
+            <a:fillRect/>
+          </a:stretch>
+        </p:blipFill>
+        <p:spPr>
+          <a:xfrm>
+            <a:off x="9674887" y="4374331"/>
+            <a:ext cx="1827696" cy="2185289"/>
+          </a:xfrm>
+          <a:prstGeom prst="rect">
+            <a:avLst/>
+          </a:prstGeom>
+        </p:spPr>
+      </p:pic>
+      <p:pic>
+        <p:nvPicPr>
+          <p:cNvPr id="11" name="Picture 10">
+            <a:extLst>
+              <a:ext uri="{FF2B5EF4-FFF2-40B4-BE49-F238E27FC236}">
+                <a16:creationId xmlns:a16="http://schemas.microsoft.com/office/drawing/2014/main" id="{55917D29-1200-4622-B7CE-1AB4CB30FB3D}"/>
+              </a:ext>
+            </a:extLst>
+          </p:cNvPr>
+          <p:cNvPicPr>
+            <a:picLocks noChangeAspect="1"/>
+          </p:cNvPicPr>
+          <p:nvPr/>
+        </p:nvPicPr>
+        <p:blipFill>
+          <a:blip r:embed="rId5"/>
+          <a:stretch>
+            <a:fillRect/>
+          </a:stretch>
+        </p:blipFill>
+        <p:spPr>
+          <a:xfrm>
+            <a:off x="808990" y="6236578"/>
+            <a:ext cx="6187234" cy="272716"/>
+          </a:xfrm>
+          <a:prstGeom prst="rect">
+            <a:avLst/>
+          </a:prstGeom>
+        </p:spPr>
+      </p:pic>
     </p:spTree>
     <p:extLst>
       <p:ext uri="{BB962C8B-B14F-4D97-AF65-F5344CB8AC3E}">
-        <p14:creationId xmlns:p14="http://schemas.microsoft.com/office/powerpoint/2010/main" val="3635533557"/>
+        <p14:creationId xmlns:p14="http://schemas.microsoft.com/office/powerpoint/2010/main" val="528490564"/>
       </p:ext>
     </p:extLst>
   </p:cSld>

--- a/doc/part-a.pptx
+++ b/doc/part-a.pptx
@@ -5494,8 +5494,8 @@
         </p:nvSpPr>
         <p:spPr>
           <a:xfrm>
-            <a:off x="684212" y="457592"/>
-            <a:ext cx="8534400" cy="1507067"/>
+            <a:off x="684212" y="597788"/>
+            <a:ext cx="7279574" cy="1507067"/>
           </a:xfrm>
         </p:spPr>
         <p:txBody>
@@ -5528,12 +5528,14 @@
         </p:nvSpPr>
         <p:spPr>
           <a:xfrm>
-            <a:off x="684212" y="1964659"/>
-            <a:ext cx="4898697" cy="4080147"/>
-          </a:xfrm>
-        </p:spPr>
-        <p:txBody>
-          <a:bodyPr/>
+            <a:off x="684212" y="2374656"/>
+            <a:ext cx="4524341" cy="3909605"/>
+          </a:xfrm>
+        </p:spPr>
+        <p:txBody>
+          <a:bodyPr>
+            <a:normAutofit/>
+          </a:bodyPr>
           <a:lstStyle/>
           <a:p>
             <a:r>
@@ -5544,7 +5546,7 @@
                   </a:schemeClr>
                 </a:solidFill>
               </a:rPr>
-              <a:t>The data are of 28 by 28 pixel images, of fashion items.</a:t>
+              <a:t>The data are of grayscale 28 by 28 pixel images, of fashion items</a:t>
             </a:r>
           </a:p>
           <a:p>
@@ -5580,7 +5582,7 @@
                   </a:schemeClr>
                 </a:solidFill>
               </a:rPr>
-              <a:t>The class distribution is perfect</a:t>
+              <a:t>The class distribution is perfectly balanced</a:t>
             </a:r>
           </a:p>
           <a:p>
@@ -5595,47 +5597,8 @@
               <a:t>In general, the data is very clean without intervention</a:t>
             </a:r>
           </a:p>
-          <a:p>
-            <a:endParaRPr lang="en-GB" dirty="0">
-              <a:solidFill>
-                <a:schemeClr val="tx1">
-                  <a:lumMod val="95000"/>
-                </a:schemeClr>
-              </a:solidFill>
-            </a:endParaRPr>
-          </a:p>
-        </p:txBody>
-      </p:sp>
-      <p:pic>
-        <p:nvPicPr>
-          <p:cNvPr id="5" name="Picture 4">
-            <a:extLst>
-              <a:ext uri="{FF2B5EF4-FFF2-40B4-BE49-F238E27FC236}">
-                <a16:creationId xmlns:a16="http://schemas.microsoft.com/office/drawing/2014/main" id="{AA9F4CB2-D589-43CC-A2F0-5E35D72A0F53}"/>
-              </a:ext>
-            </a:extLst>
-          </p:cNvPr>
-          <p:cNvPicPr>
-            <a:picLocks noChangeAspect="1"/>
-          </p:cNvPicPr>
-          <p:nvPr/>
-        </p:nvPicPr>
-        <p:blipFill>
-          <a:blip r:embed="rId2"/>
-          <a:stretch>
-            <a:fillRect/>
-          </a:stretch>
-        </p:blipFill>
-        <p:spPr>
-          <a:xfrm>
-            <a:off x="8182707" y="266486"/>
-            <a:ext cx="3801005" cy="1476581"/>
-          </a:xfrm>
-          <a:prstGeom prst="rect">
-            <a:avLst/>
-          </a:prstGeom>
-        </p:spPr>
-      </p:pic>
+        </p:txBody>
+      </p:sp>
       <p:pic>
         <p:nvPicPr>
           <p:cNvPr id="7" name="Picture 6">
@@ -5651,45 +5614,15 @@
           <p:nvPr/>
         </p:nvPicPr>
         <p:blipFill>
-          <a:blip r:embed="rId3"/>
+          <a:blip r:embed="rId2"/>
           <a:stretch>
             <a:fillRect/>
           </a:stretch>
         </p:blipFill>
         <p:spPr>
           <a:xfrm>
-            <a:off x="8182707" y="1934173"/>
+            <a:off x="8193339" y="2794195"/>
             <a:ext cx="3801005" cy="3909605"/>
-          </a:xfrm>
-          <a:prstGeom prst="rect">
-            <a:avLst/>
-          </a:prstGeom>
-        </p:spPr>
-      </p:pic>
-      <p:pic>
-        <p:nvPicPr>
-          <p:cNvPr id="12" name="Picture 11">
-            <a:extLst>
-              <a:ext uri="{FF2B5EF4-FFF2-40B4-BE49-F238E27FC236}">
-                <a16:creationId xmlns:a16="http://schemas.microsoft.com/office/drawing/2014/main" id="{C956DFA1-006D-459F-9EF3-1341344C8DE7}"/>
-              </a:ext>
-            </a:extLst>
-          </p:cNvPr>
-          <p:cNvPicPr>
-            <a:picLocks noChangeAspect="1"/>
-          </p:cNvPicPr>
-          <p:nvPr/>
-        </p:nvPicPr>
-        <p:blipFill>
-          <a:blip r:embed="rId4"/>
-          <a:stretch>
-            <a:fillRect/>
-          </a:stretch>
-        </p:blipFill>
-        <p:spPr>
-          <a:xfrm>
-            <a:off x="5768228" y="1934173"/>
-            <a:ext cx="2229161" cy="1457528"/>
           </a:xfrm>
           <a:prstGeom prst="rect">
             <a:avLst/>
@@ -5710,6 +5643,65 @@
           </p:cNvPicPr>
           <p:nvPr/>
         </p:nvPicPr>
+        <p:blipFill rotWithShape="1">
+          <a:blip r:embed="rId3"/>
+          <a:srcRect r="33811"/>
+          <a:stretch/>
+        </p:blipFill>
+        <p:spPr>
+          <a:xfrm>
+            <a:off x="5485737" y="2794194"/>
+            <a:ext cx="2552477" cy="3909605"/>
+          </a:xfrm>
+          <a:prstGeom prst="rect">
+            <a:avLst/>
+          </a:prstGeom>
+        </p:spPr>
+      </p:pic>
+      <p:pic>
+        <p:nvPicPr>
+          <p:cNvPr id="8" name="Picture 7">
+            <a:extLst>
+              <a:ext uri="{FF2B5EF4-FFF2-40B4-BE49-F238E27FC236}">
+                <a16:creationId xmlns:a16="http://schemas.microsoft.com/office/drawing/2014/main" id="{47346CFA-CFF0-4E6D-9BA1-A9D541A426E6}"/>
+              </a:ext>
+            </a:extLst>
+          </p:cNvPr>
+          <p:cNvPicPr>
+            <a:picLocks noChangeAspect="1"/>
+          </p:cNvPicPr>
+          <p:nvPr/>
+        </p:nvPicPr>
+        <p:blipFill>
+          <a:blip r:embed="rId4"/>
+          <a:stretch>
+            <a:fillRect/>
+          </a:stretch>
+        </p:blipFill>
+        <p:spPr>
+          <a:xfrm>
+            <a:off x="8240970" y="101429"/>
+            <a:ext cx="3753374" cy="1190791"/>
+          </a:xfrm>
+          <a:prstGeom prst="rect">
+            <a:avLst/>
+          </a:prstGeom>
+        </p:spPr>
+      </p:pic>
+      <p:pic>
+        <p:nvPicPr>
+          <p:cNvPr id="10" name="Picture 9">
+            <a:extLst>
+              <a:ext uri="{FF2B5EF4-FFF2-40B4-BE49-F238E27FC236}">
+                <a16:creationId xmlns:a16="http://schemas.microsoft.com/office/drawing/2014/main" id="{FCDEEE31-30C8-4490-8B08-D27FDD0298A5}"/>
+              </a:ext>
+            </a:extLst>
+          </p:cNvPr>
+          <p:cNvPicPr>
+            <a:picLocks noChangeAspect="1"/>
+          </p:cNvPicPr>
+          <p:nvPr/>
+        </p:nvPicPr>
         <p:blipFill>
           <a:blip r:embed="rId5"/>
           <a:stretch>
@@ -5718,8 +5710,8 @@
         </p:blipFill>
         <p:spPr>
           <a:xfrm>
-            <a:off x="5295383" y="3567130"/>
-            <a:ext cx="2794665" cy="2833278"/>
+            <a:off x="9717551" y="1419233"/>
+            <a:ext cx="2276793" cy="1247949"/>
           </a:xfrm>
           <a:prstGeom prst="rect">
             <a:avLst/>
@@ -5775,7 +5767,7 @@
         <p:spPr>
           <a:xfrm>
             <a:off x="684212" y="457592"/>
-            <a:ext cx="8534400" cy="1507067"/>
+            <a:ext cx="6966400" cy="1507067"/>
           </a:xfrm>
         </p:spPr>
         <p:txBody>
@@ -5813,23 +5805,25 @@
           </a:xfrm>
         </p:spPr>
         <p:txBody>
-          <a:bodyPr/>
-          <a:lstStyle/>
-          <a:p>
-            <a:r>
-              <a:rPr lang="en-SG" dirty="0">
+          <a:bodyPr>
+            <a:normAutofit lnSpcReduction="10000"/>
+          </a:bodyPr>
+          <a:lstStyle/>
+          <a:p>
+            <a:r>
+              <a:rPr lang="en-SG" sz="2400" dirty="0">
                 <a:solidFill>
                   <a:schemeClr val="tx1">
                     <a:lumMod val="95000"/>
                   </a:schemeClr>
                 </a:solidFill>
               </a:rPr>
-              <a:t>The pixel value distribution centres around 220, which is quite bright</a:t>
-            </a:r>
-          </a:p>
-          <a:p>
-            <a:r>
-              <a:rPr lang="en-SG" dirty="0">
+              <a:t>The pixel value distribution centres around 220, which means that most pixels are bright</a:t>
+            </a:r>
+          </a:p>
+          <a:p>
+            <a:r>
+              <a:rPr lang="en-SG" sz="2400" dirty="0">
                 <a:solidFill>
                   <a:schemeClr val="tx1">
                     <a:lumMod val="95000"/>
@@ -5841,14 +5835,14 @@
           </a:p>
           <a:p>
             <a:r>
-              <a:rPr lang="en-GB" dirty="0">
+              <a:rPr lang="en-GB" sz="2400" dirty="0">
                 <a:solidFill>
                   <a:schemeClr val="tx1">
                     <a:lumMod val="95000"/>
                   </a:schemeClr>
                 </a:solidFill>
               </a:rPr>
-              <a:t>According to the pixel sum distribution, which is the distribution of the sum of pixel values per image, there are no images totally black (0) or totally white (255 * 784 = 199920)</a:t>
+              <a:t>According to the pixel sum distribution, which is the distribution of the sum of pixel values per image, there are no images totally black (0) or totally white (255 * 28 * 28 = 199920)</a:t>
             </a:r>
           </a:p>
         </p:txBody>
@@ -5875,7 +5869,7 @@
         </p:blipFill>
         <p:spPr>
           <a:xfrm>
-            <a:off x="7650613" y="375756"/>
+            <a:off x="7725041" y="457592"/>
             <a:ext cx="4300383" cy="2802416"/>
           </a:xfrm>
           <a:prstGeom prst="rect">
@@ -5905,7 +5899,7 @@
         </p:blipFill>
         <p:spPr>
           <a:xfrm>
-            <a:off x="7650612" y="3479417"/>
+            <a:off x="7725041" y="3597993"/>
             <a:ext cx="4300383" cy="2827850"/>
           </a:xfrm>
           <a:prstGeom prst="rect">
@@ -5995,12 +5989,14 @@
         </p:nvSpPr>
         <p:spPr>
           <a:xfrm>
-            <a:off x="574158" y="3997842"/>
-            <a:ext cx="8357191" cy="2102686"/>
-          </a:xfrm>
-        </p:spPr>
-        <p:txBody>
-          <a:bodyPr/>
+            <a:off x="6305107" y="2138548"/>
+            <a:ext cx="5061098" cy="3836950"/>
+          </a:xfrm>
+        </p:spPr>
+        <p:txBody>
+          <a:bodyPr>
+            <a:normAutofit/>
+          </a:bodyPr>
           <a:lstStyle/>
           <a:p>
             <a:r>
@@ -6036,6 +6032,18 @@
                 </a:solidFill>
               </a:rPr>
               <a:t>Target labels are also one-hot encoded</a:t>
+            </a:r>
+          </a:p>
+          <a:p>
+            <a:r>
+              <a:rPr lang="en-SG" dirty="0">
+                <a:solidFill>
+                  <a:schemeClr val="tx1">
+                    <a:lumMod val="95000"/>
+                  </a:schemeClr>
+                </a:solidFill>
+              </a:rPr>
+              <a:t>The feature data are also reshaped to include 1 input channel</a:t>
             </a:r>
             <a:endParaRPr lang="en-GB" dirty="0">
               <a:solidFill>
@@ -6049,10 +6057,10 @@
       </p:sp>
       <p:pic>
         <p:nvPicPr>
-          <p:cNvPr id="5" name="Picture 4">
+          <p:cNvPr id="6" name="Picture 5">
             <a:extLst>
               <a:ext uri="{FF2B5EF4-FFF2-40B4-BE49-F238E27FC236}">
-                <a16:creationId xmlns:a16="http://schemas.microsoft.com/office/drawing/2014/main" id="{FD2FF8D1-A7BD-4855-9A49-4541F15DA253}"/>
+                <a16:creationId xmlns:a16="http://schemas.microsoft.com/office/drawing/2014/main" id="{EB38C204-D32D-43CB-A083-D2C87FAC3D54}"/>
               </a:ext>
             </a:extLst>
           </p:cNvPr>
@@ -6069,8 +6077,8 @@
         </p:blipFill>
         <p:spPr>
           <a:xfrm>
-            <a:off x="768427" y="1964659"/>
-            <a:ext cx="6837211" cy="1758140"/>
+            <a:off x="684212" y="2138548"/>
+            <a:ext cx="5411788" cy="3197499"/>
           </a:xfrm>
           <a:prstGeom prst="rect">
             <a:avLst/>
@@ -6159,12 +6167,14 @@
         </p:nvSpPr>
         <p:spPr>
           <a:xfrm>
-            <a:off x="684212" y="2081617"/>
-            <a:ext cx="6375807" cy="3710763"/>
-          </a:xfrm>
-        </p:spPr>
-        <p:txBody>
-          <a:bodyPr/>
+            <a:off x="684212" y="1783513"/>
+            <a:ext cx="6375807" cy="4616895"/>
+          </a:xfrm>
+        </p:spPr>
+        <p:txBody>
+          <a:bodyPr>
+            <a:normAutofit/>
+          </a:bodyPr>
           <a:lstStyle/>
           <a:p>
             <a:r>
@@ -6187,7 +6197,7 @@
                   </a:schemeClr>
                 </a:solidFill>
               </a:rPr>
-              <a:t>A simple Convolutional Neural Network (1 Conv layer) achieves an improved accuracy of 0.86 with minimal overfitting</a:t>
+              <a:t>A simple Convolutional Neural Network (below) [1 Conv layer] achieves an improved accuracy of 0.86 with minimal overfitting</a:t>
             </a:r>
           </a:p>
           <a:p>
@@ -6201,13 +6211,18 @@
               </a:rPr>
               <a:t>A more complex CNN (not shown) could achieve a divergent accuracy of 0.92 and 0.89 for the training and validation data partitions respectively</a:t>
             </a:r>
-            <a:endParaRPr lang="en-GB" dirty="0">
-              <a:solidFill>
-                <a:schemeClr val="tx1">
-                  <a:lumMod val="95000"/>
-                </a:schemeClr>
-              </a:solidFill>
-            </a:endParaRPr>
+          </a:p>
+          <a:p>
+            <a:r>
+              <a:rPr lang="en-SG" dirty="0">
+                <a:solidFill>
+                  <a:schemeClr val="tx1">
+                    <a:lumMod val="95000"/>
+                  </a:schemeClr>
+                </a:solidFill>
+              </a:rPr>
+              <a:t>The baseline models are relatively decent by themselves already</a:t>
+            </a:r>
           </a:p>
         </p:txBody>
       </p:sp>
@@ -6353,8 +6368,8 @@
         </p:nvSpPr>
         <p:spPr>
           <a:xfrm>
-            <a:off x="684212" y="1648047"/>
-            <a:ext cx="5876076" cy="4720999"/>
+            <a:off x="684212" y="1919248"/>
+            <a:ext cx="5876076" cy="4178595"/>
           </a:xfrm>
         </p:spPr>
         <p:txBody>
@@ -6369,7 +6384,7 @@
                   </a:schemeClr>
                 </a:solidFill>
               </a:rPr>
-              <a:t>Random searching was used to find the best set of parameters</a:t>
+              <a:t>Random search was used to find the best performing set of parameters</a:t>
             </a:r>
           </a:p>
           <a:p>
@@ -6381,18 +6396,22 @@
                   </a:schemeClr>
                 </a:solidFill>
               </a:rPr>
-              <a:t>An </a:t>
-            </a:r>
-            <a:r>
-              <a:rPr lang="en-SG" dirty="0" err="1">
+              <a:t>An early stopping callback was introduced to end training prematurely upon overfitting</a:t>
+            </a:r>
+          </a:p>
+          <a:p>
+            <a:r>
+              <a:rPr lang="en-SG" dirty="0">
                 <a:solidFill>
                   <a:schemeClr val="tx1">
                     <a:lumMod val="95000"/>
                   </a:schemeClr>
                 </a:solidFill>
               </a:rPr>
-              <a:t>EarlyStopping</a:t>
-            </a:r>
+              <a:t>Custom metrics was used to evaluate each model, with the geometric mean of loss and accuracy used as they penalise large differences, which represents overfitting</a:t>
+            </a:r>
+          </a:p>
+          <a:p>
             <a:r>
               <a:rPr lang="en-SG" dirty="0">
                 <a:solidFill>
@@ -6401,61 +6420,17 @@
                   </a:schemeClr>
                 </a:solidFill>
               </a:rPr>
-              <a:t> </a:t>
-            </a:r>
-            <a:r>
-              <a:rPr lang="en-SG" dirty="0" err="1">
-                <a:solidFill>
-                  <a:schemeClr val="tx1">
-                    <a:lumMod val="95000"/>
-                  </a:schemeClr>
-                </a:solidFill>
-              </a:rPr>
-              <a:t>callback</a:t>
-            </a:r>
-            <a:r>
-              <a:rPr lang="en-SG" dirty="0">
-                <a:solidFill>
-                  <a:schemeClr val="tx1">
-                    <a:lumMod val="95000"/>
-                  </a:schemeClr>
-                </a:solidFill>
-              </a:rPr>
-              <a:t> was introduced to stop training prematurely upon overfitting</a:t>
-            </a:r>
-          </a:p>
-          <a:p>
-            <a:r>
-              <a:rPr lang="en-SG" dirty="0">
-                <a:solidFill>
-                  <a:schemeClr val="tx1">
-                    <a:lumMod val="95000"/>
-                  </a:schemeClr>
-                </a:solidFill>
-              </a:rPr>
-              <a:t>Custom metrics was used to evaluate each model, with geometric means of loss and accuracy used to penalise large differences, which represents overfitting</a:t>
-            </a:r>
-          </a:p>
-          <a:p>
-            <a:r>
-              <a:rPr lang="en-SG" dirty="0">
-                <a:solidFill>
-                  <a:schemeClr val="tx1">
-                    <a:lumMod val="95000"/>
-                  </a:schemeClr>
-                </a:solidFill>
-              </a:rPr>
-              <a:t>Following hyper-parameter tuning, the models were fine tuned manually until a suitable performance was achieved</a:t>
+              <a:t>Following hyper-parameter tuning, the models were fine tuned manually until an acceptable performance was achieved</a:t>
             </a:r>
           </a:p>
         </p:txBody>
       </p:sp>
       <p:pic>
         <p:nvPicPr>
-          <p:cNvPr id="5" name="Picture 4">
+          <p:cNvPr id="6" name="Picture 5">
             <a:extLst>
               <a:ext uri="{FF2B5EF4-FFF2-40B4-BE49-F238E27FC236}">
-                <a16:creationId xmlns:a16="http://schemas.microsoft.com/office/drawing/2014/main" id="{BACC83A6-1CF7-4DEC-9A5F-F4B2F0C90AA9}"/>
+                <a16:creationId xmlns:a16="http://schemas.microsoft.com/office/drawing/2014/main" id="{CA3232BE-1A30-4A24-841D-636ECA49023B}"/>
               </a:ext>
             </a:extLst>
           </p:cNvPr>
@@ -6472,8 +6447,8 @@
         </p:blipFill>
         <p:spPr>
           <a:xfrm>
-            <a:off x="7514821" y="1778091"/>
-            <a:ext cx="4201111" cy="2067213"/>
+            <a:off x="7160925" y="1648047"/>
+            <a:ext cx="4115374" cy="2057687"/>
           </a:xfrm>
           <a:prstGeom prst="rect">
             <a:avLst/>
@@ -6482,10 +6457,10 @@
       </p:pic>
       <p:pic>
         <p:nvPicPr>
-          <p:cNvPr id="7" name="Picture 6">
+          <p:cNvPr id="9" name="Picture 8">
             <a:extLst>
               <a:ext uri="{FF2B5EF4-FFF2-40B4-BE49-F238E27FC236}">
-                <a16:creationId xmlns:a16="http://schemas.microsoft.com/office/drawing/2014/main" id="{6F3F2847-5190-44CA-B4AB-1CB0A5718A2F}"/>
+                <a16:creationId xmlns:a16="http://schemas.microsoft.com/office/drawing/2014/main" id="{702C2596-F049-46D3-8B15-17173DBDBB53}"/>
               </a:ext>
             </a:extLst>
           </p:cNvPr>
@@ -6494,16 +6469,15 @@
           </p:cNvPicPr>
           <p:nvPr/>
         </p:nvPicPr>
-        <p:blipFill>
+        <p:blipFill rotWithShape="1">
           <a:blip r:embed="rId3"/>
-          <a:stretch>
-            <a:fillRect/>
-          </a:stretch>
+          <a:srcRect r="33190"/>
+          <a:stretch/>
         </p:blipFill>
         <p:spPr>
           <a:xfrm>
-            <a:off x="7514820" y="4184590"/>
-            <a:ext cx="3075207" cy="2184457"/>
+            <a:off x="7160925" y="4008546"/>
+            <a:ext cx="3831443" cy="2486372"/>
           </a:xfrm>
           <a:prstGeom prst="rect">
             <a:avLst/>
@@ -6559,7 +6533,7 @@
         <p:spPr>
           <a:xfrm>
             <a:off x="684212" y="457592"/>
-            <a:ext cx="8534400" cy="1507067"/>
+            <a:ext cx="6088728" cy="1507067"/>
           </a:xfrm>
         </p:spPr>
         <p:txBody>
@@ -6568,11 +6542,7 @@
           <a:p>
             <a:r>
               <a:rPr lang="en-SG" dirty="0"/>
-              <a:t>Model – Final </a:t>
-            </a:r>
-            <a:r>
-              <a:rPr lang="en-SG" dirty="0" err="1"/>
-              <a:t>MOdel</a:t>
+              <a:t>Model – Final Model</a:t>
             </a:r>
             <a:endParaRPr lang="en-GB" dirty="0"/>
           </a:p>
@@ -6596,8 +6566,8 @@
         </p:nvSpPr>
         <p:spPr>
           <a:xfrm>
-            <a:off x="684212" y="2105247"/>
-            <a:ext cx="6088728" cy="4295161"/>
+            <a:off x="684212" y="1733107"/>
+            <a:ext cx="6088728" cy="4890977"/>
           </a:xfrm>
         </p:spPr>
         <p:txBody>
@@ -6609,32 +6579,10 @@
             <a:r>
               <a:rPr lang="en-SG" dirty="0">
                 <a:solidFill>
-                  <a:schemeClr val="tx1">
-                    <a:lumMod val="95000"/>
-                  </a:schemeClr>
+                  <a:schemeClr val="tx1"/>
                 </a:solidFill>
               </a:rPr>
-              <a:t>The final model made use of early stopping and learning rate scheduler </a:t>
-            </a:r>
-            <a:r>
-              <a:rPr lang="en-SG" dirty="0" err="1">
-                <a:solidFill>
-                  <a:schemeClr val="tx1">
-                    <a:lumMod val="95000"/>
-                  </a:schemeClr>
-                </a:solidFill>
-              </a:rPr>
-              <a:t>callbacks</a:t>
-            </a:r>
-            <a:r>
-              <a:rPr lang="en-SG" dirty="0">
-                <a:solidFill>
-                  <a:schemeClr val="tx1">
-                    <a:lumMod val="95000"/>
-                  </a:schemeClr>
-                </a:solidFill>
-              </a:rPr>
-              <a:t> to mitigate overfitting and to implement a decaying learning rate respectively</a:t>
+              <a:t>The final model made use of early stopping and learning rate scheduler callbacks to mitigate overfitting and to implement a decaying learning rate respectively</a:t>
             </a:r>
           </a:p>
           <a:p>
@@ -6658,7 +6606,7 @@
                   </a:schemeClr>
                 </a:solidFill>
               </a:rPr>
-              <a:t>Only 1 max pooling layer was used to avoid excessive data reduction</a:t>
+              <a:t>Only 1 max pooling layer (pool size 2, stride 2) was used to avoid excessive data reduction</a:t>
             </a:r>
           </a:p>
           <a:p>
@@ -6670,7 +6618,7 @@
                   </a:schemeClr>
                 </a:solidFill>
               </a:rPr>
-              <a:t>Overfitting was very minimal</a:t>
+              <a:t>From the learning curve plot, overfitting was very minimal (despite higher accuracy on training data)</a:t>
             </a:r>
           </a:p>
         </p:txBody>
@@ -6817,71 +6765,76 @@
         </p:nvSpPr>
         <p:spPr>
           <a:xfrm>
-            <a:off x="684212" y="1964659"/>
-            <a:ext cx="6312012" cy="4080147"/>
+            <a:off x="684212" y="1733107"/>
+            <a:ext cx="6312012" cy="4311699"/>
           </a:xfrm>
         </p:spPr>
         <p:txBody>
           <a:bodyPr>
-            <a:normAutofit/>
+            <a:normAutofit lnSpcReduction="10000"/>
           </a:bodyPr>
           <a:lstStyle/>
           <a:p>
             <a:r>
-              <a:rPr lang="en-SG" dirty="0">
+              <a:rPr lang="en-US" b="0" dirty="0">
                 <a:solidFill>
                   <a:schemeClr val="tx1"/>
                 </a:solidFill>
+                <a:effectLst/>
               </a:rPr>
               <a:t>From the confusion matrix, most are correctly classified</a:t>
             </a:r>
           </a:p>
           <a:p>
             <a:r>
-              <a:rPr lang="en-SG" dirty="0">
+              <a:rPr lang="en-US" b="0" dirty="0">
                 <a:solidFill>
                   <a:schemeClr val="tx1">
                     <a:lumMod val="95000"/>
                   </a:schemeClr>
                 </a:solidFill>
+                <a:effectLst/>
               </a:rPr>
               <a:t>The most common mistake is the misclassification of shirts as t-shirts and vice versa</a:t>
             </a:r>
           </a:p>
           <a:p>
             <a:r>
-              <a:rPr lang="en-SG" dirty="0">
+              <a:rPr lang="en-US" b="0" dirty="0">
                 <a:solidFill>
                   <a:schemeClr val="tx1">
                     <a:lumMod val="95000"/>
                   </a:schemeClr>
                 </a:solidFill>
+                <a:effectLst/>
               </a:rPr>
-              <a:t>This is of no surprise, as they are very similar</a:t>
-            </a:r>
-          </a:p>
-          <a:p>
-            <a:r>
-              <a:rPr lang="en-SG" dirty="0">
+              <a:t>This is of no surprise, given the low resolution of the images and their undeniable similarities</a:t>
+            </a:r>
+          </a:p>
+          <a:p>
+            <a:r>
+              <a:rPr lang="en-US" b="0" dirty="0">
                 <a:solidFill>
                   <a:schemeClr val="tx1">
                     <a:lumMod val="95000"/>
                   </a:schemeClr>
                 </a:solidFill>
+                <a:effectLst/>
               </a:rPr>
-              <a:t>Some mistakes are unacceptable, however, like the ankle boot on the bottom right (None of the top 3 choices are right; in fact, they are all off)</a:t>
-            </a:r>
-          </a:p>
-          <a:p>
-            <a:r>
-              <a:rPr lang="en-SG" dirty="0">
+              <a:t>Some mistakes are unacceptable, however, like the ankle boot at the bottom right (None of the top 3 choices are right; in fact, they are all wrong)</a:t>
+            </a:r>
+          </a:p>
+          <a:p>
+            <a:r>
+              <a:rPr lang="en-US" b="0" dirty="0">
                 <a:solidFill>
                   <a:schemeClr val="tx1">
                     <a:lumMod val="95000"/>
                   </a:schemeClr>
                 </a:solidFill>
+                <a:effectLst/>
               </a:rPr>
-              <a:t>The model tends to misclassify dresses as t-shirts</a:t>
+              <a:t>The model tends to confidently misclassify dresses as t-shirts (below)</a:t>
             </a:r>
           </a:p>
         </p:txBody>
@@ -6960,16 +6913,15 @@
           </p:cNvPicPr>
           <p:nvPr/>
         </p:nvPicPr>
-        <p:blipFill>
+        <p:blipFill rotWithShape="1">
           <a:blip r:embed="rId4"/>
-          <a:stretch>
-            <a:fillRect/>
-          </a:stretch>
+          <a:srcRect t="5154"/>
+          <a:stretch/>
         </p:blipFill>
         <p:spPr>
           <a:xfrm>
-            <a:off x="9674887" y="4374331"/>
-            <a:ext cx="1827696" cy="2185289"/>
+            <a:off x="9601641" y="4374331"/>
+            <a:ext cx="1900942" cy="2155744"/>
           </a:xfrm>
           <a:prstGeom prst="rect">
             <a:avLst/>
